--- a/Results/pedagog_figs/method_fig.pptx
+++ b/Results/pedagog_figs/method_fig.pptx
@@ -243,7 +243,7 @@
           <a:p>
             <a:fld id="{4451F33F-0412-4964-B74B-2B86B40CB25E}" type="datetimeFigureOut">
               <a:rPr lang="en-US" smtClean="0"/>
-              <a:t>6/15/2020</a:t>
+              <a:t>7/8/2020</a:t>
             </a:fld>
             <a:endParaRPr lang="en-US"/>
           </a:p>
@@ -413,7 +413,7 @@
           <a:p>
             <a:fld id="{4451F33F-0412-4964-B74B-2B86B40CB25E}" type="datetimeFigureOut">
               <a:rPr lang="en-US" smtClean="0"/>
-              <a:t>6/15/2020</a:t>
+              <a:t>7/8/2020</a:t>
             </a:fld>
             <a:endParaRPr lang="en-US"/>
           </a:p>
@@ -593,7 +593,7 @@
           <a:p>
             <a:fld id="{4451F33F-0412-4964-B74B-2B86B40CB25E}" type="datetimeFigureOut">
               <a:rPr lang="en-US" smtClean="0"/>
-              <a:t>6/15/2020</a:t>
+              <a:t>7/8/2020</a:t>
             </a:fld>
             <a:endParaRPr lang="en-US"/>
           </a:p>
@@ -763,7 +763,7 @@
           <a:p>
             <a:fld id="{4451F33F-0412-4964-B74B-2B86B40CB25E}" type="datetimeFigureOut">
               <a:rPr lang="en-US" smtClean="0"/>
-              <a:t>6/15/2020</a:t>
+              <a:t>7/8/2020</a:t>
             </a:fld>
             <a:endParaRPr lang="en-US"/>
           </a:p>
@@ -1009,7 +1009,7 @@
           <a:p>
             <a:fld id="{4451F33F-0412-4964-B74B-2B86B40CB25E}" type="datetimeFigureOut">
               <a:rPr lang="en-US" smtClean="0"/>
-              <a:t>6/15/2020</a:t>
+              <a:t>7/8/2020</a:t>
             </a:fld>
             <a:endParaRPr lang="en-US"/>
           </a:p>
@@ -1241,7 +1241,7 @@
           <a:p>
             <a:fld id="{4451F33F-0412-4964-B74B-2B86B40CB25E}" type="datetimeFigureOut">
               <a:rPr lang="en-US" smtClean="0"/>
-              <a:t>6/15/2020</a:t>
+              <a:t>7/8/2020</a:t>
             </a:fld>
             <a:endParaRPr lang="en-US"/>
           </a:p>
@@ -1608,7 +1608,7 @@
           <a:p>
             <a:fld id="{4451F33F-0412-4964-B74B-2B86B40CB25E}" type="datetimeFigureOut">
               <a:rPr lang="en-US" smtClean="0"/>
-              <a:t>6/15/2020</a:t>
+              <a:t>7/8/2020</a:t>
             </a:fld>
             <a:endParaRPr lang="en-US"/>
           </a:p>
@@ -1726,7 +1726,7 @@
           <a:p>
             <a:fld id="{4451F33F-0412-4964-B74B-2B86B40CB25E}" type="datetimeFigureOut">
               <a:rPr lang="en-US" smtClean="0"/>
-              <a:t>6/15/2020</a:t>
+              <a:t>7/8/2020</a:t>
             </a:fld>
             <a:endParaRPr lang="en-US"/>
           </a:p>
@@ -1821,7 +1821,7 @@
           <a:p>
             <a:fld id="{4451F33F-0412-4964-B74B-2B86B40CB25E}" type="datetimeFigureOut">
               <a:rPr lang="en-US" smtClean="0"/>
-              <a:t>6/15/2020</a:t>
+              <a:t>7/8/2020</a:t>
             </a:fld>
             <a:endParaRPr lang="en-US"/>
           </a:p>
@@ -2098,7 +2098,7 @@
           <a:p>
             <a:fld id="{4451F33F-0412-4964-B74B-2B86B40CB25E}" type="datetimeFigureOut">
               <a:rPr lang="en-US" smtClean="0"/>
-              <a:t>6/15/2020</a:t>
+              <a:t>7/8/2020</a:t>
             </a:fld>
             <a:endParaRPr lang="en-US"/>
           </a:p>
@@ -2351,7 +2351,7 @@
           <a:p>
             <a:fld id="{4451F33F-0412-4964-B74B-2B86B40CB25E}" type="datetimeFigureOut">
               <a:rPr lang="en-US" smtClean="0"/>
-              <a:t>6/15/2020</a:t>
+              <a:t>7/8/2020</a:t>
             </a:fld>
             <a:endParaRPr lang="en-US"/>
           </a:p>
@@ -2564,7 +2564,7 @@
           <a:p>
             <a:fld id="{4451F33F-0412-4964-B74B-2B86B40CB25E}" type="datetimeFigureOut">
               <a:rPr lang="en-US" smtClean="0"/>
-              <a:t>6/15/2020</a:t>
+              <a:t>7/8/2020</a:t>
             </a:fld>
             <a:endParaRPr lang="en-US"/>
           </a:p>
@@ -2977,8 +2977,8 @@
         </p:nvSpPr>
         <p:spPr>
           <a:xfrm>
-            <a:off x="6173871" y="54093"/>
-            <a:ext cx="5939481" cy="1373988"/>
+            <a:off x="6148453" y="54093"/>
+            <a:ext cx="5964899" cy="1385308"/>
           </a:xfrm>
           <a:prstGeom prst="rect">
             <a:avLst/>
@@ -3023,8 +3023,8 @@
         </p:nvSpPr>
         <p:spPr>
           <a:xfrm>
-            <a:off x="129985" y="66421"/>
-            <a:ext cx="5915027" cy="1373988"/>
+            <a:off x="52453" y="66421"/>
+            <a:ext cx="6044549" cy="1373988"/>
           </a:xfrm>
           <a:prstGeom prst="rect">
             <a:avLst/>
@@ -3069,8 +3069,8 @@
         </p:nvSpPr>
         <p:spPr>
           <a:xfrm>
-            <a:off x="153567" y="3315528"/>
-            <a:ext cx="11969951" cy="3482918"/>
+            <a:off x="52229" y="3315528"/>
+            <a:ext cx="12071289" cy="3482918"/>
           </a:xfrm>
           <a:prstGeom prst="rect">
             <a:avLst/>
@@ -3506,8 +3506,8 @@
         </p:nvSpPr>
         <p:spPr>
           <a:xfrm>
-            <a:off x="135595" y="1938010"/>
-            <a:ext cx="5939481" cy="1327266"/>
+            <a:off x="52229" y="1938010"/>
+            <a:ext cx="6044773" cy="1327266"/>
           </a:xfrm>
           <a:prstGeom prst="rect">
             <a:avLst/>
@@ -3552,8 +3552,8 @@
         </p:nvSpPr>
         <p:spPr>
           <a:xfrm>
-            <a:off x="6184037" y="1936782"/>
-            <a:ext cx="5939481" cy="1328932"/>
+            <a:off x="6148453" y="1936782"/>
+            <a:ext cx="5975065" cy="1328932"/>
           </a:xfrm>
           <a:prstGeom prst="rect">
             <a:avLst/>
@@ -3813,14 +3813,7 @@
                 <a:latin typeface="Cambria Math" panose="02040503050406030204" pitchFamily="18" charset="0"/>
                 <a:ea typeface="Cambria Math" panose="02040503050406030204" pitchFamily="18" charset="0"/>
               </a:rPr>
-              <a:t>Influence of </a:t>
-            </a:r>
-            <a:r>
-              <a:rPr lang="en-US" sz="2000" dirty="0" smtClean="0">
-                <a:latin typeface="Cambria Math" panose="02040503050406030204" pitchFamily="18" charset="0"/>
-                <a:ea typeface="Cambria Math" panose="02040503050406030204" pitchFamily="18" charset="0"/>
-              </a:rPr>
-              <a:t>tail-association </a:t>
+              <a:t>Influence of tail-association </a:t>
             </a:r>
           </a:p>
           <a:p>
@@ -3892,8 +3885,8 @@
           </a:p>
         </p:txBody>
       </p:sp>
-      <mc:AlternateContent xmlns:mc="http://schemas.openxmlformats.org/markup-compatibility/2006" xmlns:a14="http://schemas.microsoft.com/office/drawing/2010/main">
-        <mc:Choice Requires="a14">
+      <mc:AlternateContent xmlns:mc="http://schemas.openxmlformats.org/markup-compatibility/2006">
+        <mc:Choice xmlns:a14="http://schemas.microsoft.com/office/drawing/2010/main" Requires="a14">
           <p:sp>
             <p:nvSpPr>
               <p:cNvPr id="29" name="TextBox 28"/>
@@ -3934,14 +3927,11 @@
                         </m:sSubPr>
                         <m:e>
                           <m:r>
-                            <m:rPr>
-                              <m:sty m:val="p"/>
-                            </m:rPr>
-                            <a:rPr lang="en-US" sz="2000" b="0" i="0" smtClean="0">
+                            <a:rPr lang="en-US" sz="2000" b="0" i="1" smtClean="0">
                               <a:latin typeface="Cambria Math" panose="02040503050406030204" pitchFamily="18" charset="0"/>
                               <a:ea typeface="Cambria Math" panose="02040503050406030204" pitchFamily="18" charset="0"/>
                             </a:rPr>
-                            <m:t>S</m:t>
+                            <m:t>𝑆</m:t>
                           </m:r>
                         </m:e>
                         <m:sub>
@@ -3968,7 +3958,7 @@
             </p:txBody>
           </p:sp>
         </mc:Choice>
-        <mc:Fallback xmlns="">
+        <mc:Fallback>
           <p:sp>
             <p:nvSpPr>
               <p:cNvPr id="29" name="TextBox 28"/>
@@ -4007,8 +3997,8 @@
           </p:sp>
         </mc:Fallback>
       </mc:AlternateContent>
-      <mc:AlternateContent xmlns:mc="http://schemas.openxmlformats.org/markup-compatibility/2006" xmlns:a14="http://schemas.microsoft.com/office/drawing/2010/main">
-        <mc:Choice Requires="a14">
+      <mc:AlternateContent xmlns:mc="http://schemas.openxmlformats.org/markup-compatibility/2006">
+        <mc:Choice xmlns:a14="http://schemas.microsoft.com/office/drawing/2010/main" Requires="a14">
           <p:sp>
             <p:nvSpPr>
               <p:cNvPr id="30" name="TextBox 29"/>
@@ -4049,14 +4039,11 @@
                         </m:sSubPr>
                         <m:e>
                           <m:r>
-                            <m:rPr>
-                              <m:sty m:val="p"/>
-                            </m:rPr>
-                            <a:rPr lang="en-US" sz="2000" b="0" i="0" smtClean="0">
+                            <a:rPr lang="en-US" sz="2000" b="0" i="1" smtClean="0">
                               <a:latin typeface="Cambria Math" panose="02040503050406030204" pitchFamily="18" charset="0"/>
                               <a:ea typeface="Cambria Math" panose="02040503050406030204" pitchFamily="18" charset="0"/>
                             </a:rPr>
-                            <m:t>S</m:t>
+                            <m:t>𝑆</m:t>
                           </m:r>
                         </m:e>
                         <m:sub>
@@ -4083,7 +4070,7 @@
             </p:txBody>
           </p:sp>
         </mc:Choice>
-        <mc:Fallback xmlns="">
+        <mc:Fallback>
           <p:sp>
             <p:nvSpPr>
               <p:cNvPr id="30" name="TextBox 29"/>
@@ -4103,7 +4090,7 @@
               <a:blipFill rotWithShape="0">
                 <a:blip r:embed="rId6"/>
                 <a:stretch>
-                  <a:fillRect l="-12500" r="-6250" b="-21569"/>
+                  <a:fillRect l="-12500" r="-5000" b="-21569"/>
                 </a:stretch>
               </a:blipFill>
             </p:spPr>
@@ -4122,8 +4109,8 @@
           </p:sp>
         </mc:Fallback>
       </mc:AlternateContent>
-      <mc:AlternateContent xmlns:mc="http://schemas.openxmlformats.org/markup-compatibility/2006" xmlns:a14="http://schemas.microsoft.com/office/drawing/2010/main">
-        <mc:Choice Requires="a14">
+      <mc:AlternateContent xmlns:mc="http://schemas.openxmlformats.org/markup-compatibility/2006">
+        <mc:Choice xmlns:a14="http://schemas.microsoft.com/office/drawing/2010/main" Requires="a14">
           <p:sp>
             <p:nvSpPr>
               <p:cNvPr id="31" name="TextBox 30"/>
@@ -4164,14 +4151,11 @@
                         </m:sSubPr>
                         <m:e>
                           <m:r>
-                            <m:rPr>
-                              <m:sty m:val="p"/>
-                            </m:rPr>
-                            <a:rPr lang="en-US" sz="2000" b="0" i="0" smtClean="0">
+                            <a:rPr lang="en-US" sz="2000" b="0" i="1" smtClean="0">
                               <a:latin typeface="Cambria Math" panose="02040503050406030204" pitchFamily="18" charset="0"/>
                               <a:ea typeface="Cambria Math" panose="02040503050406030204" pitchFamily="18" charset="0"/>
                             </a:rPr>
-                            <m:t>S</m:t>
+                            <m:t>𝑆</m:t>
                           </m:r>
                         </m:e>
                         <m:sub>
@@ -4198,7 +4182,7 @@
             </p:txBody>
           </p:sp>
         </mc:Choice>
-        <mc:Fallback xmlns="">
+        <mc:Fallback>
           <p:sp>
             <p:nvSpPr>
               <p:cNvPr id="31" name="TextBox 30"/>
@@ -4218,7 +4202,7 @@
               <a:blipFill rotWithShape="0">
                 <a:blip r:embed="rId7"/>
                 <a:stretch>
-                  <a:fillRect l="-12500" r="-5000" b="-20000"/>
+                  <a:fillRect l="-12500" r="-3750" b="-20000"/>
                 </a:stretch>
               </a:blipFill>
             </p:spPr>
@@ -4739,8 +4723,8 @@
           </a:fontRef>
         </p:style>
       </p:cxnSp>
-      <mc:AlternateContent xmlns:mc="http://schemas.openxmlformats.org/markup-compatibility/2006" xmlns:a14="http://schemas.microsoft.com/office/drawing/2010/main">
-        <mc:Choice Requires="a14">
+      <mc:AlternateContent xmlns:mc="http://schemas.openxmlformats.org/markup-compatibility/2006">
+        <mc:Choice xmlns:a14="http://schemas.microsoft.com/office/drawing/2010/main" Requires="a14">
           <p:sp>
             <p:nvSpPr>
               <p:cNvPr id="97" name="TextBox 96"/>
@@ -4750,7 +4734,7 @@
             <p:spPr>
               <a:xfrm>
                 <a:off x="2847981" y="847023"/>
-                <a:ext cx="449867" cy="307777"/>
+                <a:ext cx="486736" cy="307777"/>
               </a:xfrm>
               <a:prstGeom prst="rect">
                 <a:avLst/>
@@ -4781,14 +4765,11 @@
                         </m:sSubPr>
                         <m:e>
                           <m:r>
-                            <m:rPr>
-                              <m:sty m:val="p"/>
-                            </m:rPr>
-                            <a:rPr lang="en-US" sz="2000" i="0" smtClean="0">
+                            <a:rPr lang="en-US" sz="2000" i="1" smtClean="0">
                               <a:latin typeface="Cambria Math" panose="02040503050406030204" pitchFamily="18" charset="0"/>
                               <a:ea typeface="Cambria Math" panose="02040503050406030204" pitchFamily="18" charset="0"/>
                             </a:rPr>
-                            <m:t>ϕ</m:t>
+                            <m:t>𝜙</m:t>
                           </m:r>
                         </m:e>
                         <m:sub>
@@ -4800,7 +4781,7 @@
                               <a:latin typeface="Cambria Math" panose="02040503050406030204" pitchFamily="18" charset="0"/>
                               <a:ea typeface="Cambria Math" panose="02040503050406030204" pitchFamily="18" charset="0"/>
                             </a:rPr>
-                            <m:t>cv</m:t>
+                            <m:t>CV</m:t>
                           </m:r>
                         </m:sub>
                       </m:sSub>
@@ -4815,7 +4796,7 @@
             </p:txBody>
           </p:sp>
         </mc:Choice>
-        <mc:Fallback xmlns="">
+        <mc:Fallback>
           <p:sp>
             <p:nvSpPr>
               <p:cNvPr id="97" name="TextBox 96"/>
@@ -4827,7 +4808,7 @@
             <p:spPr>
               <a:xfrm>
                 <a:off x="2847981" y="847023"/>
-                <a:ext cx="449867" cy="307777"/>
+                <a:ext cx="486736" cy="307777"/>
               </a:xfrm>
               <a:prstGeom prst="rect">
                 <a:avLst/>
@@ -4835,7 +4816,7 @@
               <a:blipFill rotWithShape="0">
                 <a:blip r:embed="rId8"/>
                 <a:stretch>
-                  <a:fillRect l="-18919" r="-2703" b="-38000"/>
+                  <a:fillRect l="-17500" r="-6250" b="-38000"/>
                 </a:stretch>
               </a:blipFill>
             </p:spPr>
@@ -4854,8 +4835,8 @@
           </p:sp>
         </mc:Fallback>
       </mc:AlternateContent>
-      <mc:AlternateContent xmlns:mc="http://schemas.openxmlformats.org/markup-compatibility/2006" xmlns:a14="http://schemas.microsoft.com/office/drawing/2010/main">
-        <mc:Choice Requires="a14">
+      <mc:AlternateContent xmlns:mc="http://schemas.openxmlformats.org/markup-compatibility/2006">
+        <mc:Choice xmlns:a14="http://schemas.microsoft.com/office/drawing/2010/main" Requires="a14">
           <p:sp>
             <p:nvSpPr>
               <p:cNvPr id="98" name="TextBox 97"/>
@@ -4896,14 +4877,11 @@
                         </m:sSubPr>
                         <m:e>
                           <m:r>
-                            <m:rPr>
-                              <m:sty m:val="p"/>
-                            </m:rPr>
-                            <a:rPr lang="en-US" sz="2000" i="0" smtClean="0">
+                            <a:rPr lang="en-US" sz="2000" i="1" smtClean="0">
                               <a:latin typeface="Cambria Math" panose="02040503050406030204" pitchFamily="18" charset="0"/>
                               <a:ea typeface="Cambria Math" panose="02040503050406030204" pitchFamily="18" charset="0"/>
                             </a:rPr>
-                            <m:t>ϕ</m:t>
+                            <m:t>𝜙</m:t>
                           </m:r>
                         </m:e>
                         <m:sub>
@@ -4915,7 +4893,7 @@
                               <a:latin typeface="Cambria Math" panose="02040503050406030204" pitchFamily="18" charset="0"/>
                               <a:ea typeface="Cambria Math" panose="02040503050406030204" pitchFamily="18" charset="0"/>
                             </a:rPr>
-                            <m:t>cv</m:t>
+                            <m:t>CV</m:t>
                           </m:r>
                           <m:r>
                             <a:rPr lang="en-US" sz="2000" b="0" i="0" smtClean="0">
@@ -4947,7 +4925,7 @@
             </p:txBody>
           </p:sp>
         </mc:Choice>
-        <mc:Fallback xmlns="">
+        <mc:Fallback>
           <p:sp>
             <p:nvSpPr>
               <p:cNvPr id="98" name="TextBox 97"/>
@@ -4967,7 +4945,7 @@
               <a:blipFill rotWithShape="0">
                 <a:blip r:embed="rId9"/>
                 <a:stretch>
-                  <a:fillRect l="-2273" b="-28302"/>
+                  <a:fillRect l="-4545" b="-28302"/>
                 </a:stretch>
               </a:blipFill>
             </p:spPr>
@@ -4986,8 +4964,8 @@
           </p:sp>
         </mc:Fallback>
       </mc:AlternateContent>
-      <mc:AlternateContent xmlns:mc="http://schemas.openxmlformats.org/markup-compatibility/2006" xmlns:a14="http://schemas.microsoft.com/office/drawing/2010/main">
-        <mc:Choice Requires="a14">
+      <mc:AlternateContent xmlns:mc="http://schemas.openxmlformats.org/markup-compatibility/2006">
+        <mc:Choice xmlns:a14="http://schemas.microsoft.com/office/drawing/2010/main" Requires="a14">
           <p:sp>
             <p:nvSpPr>
               <p:cNvPr id="99" name="TextBox 98"/>
@@ -4997,7 +4975,7 @@
             <p:spPr>
               <a:xfrm>
                 <a:off x="4451322" y="2055194"/>
-                <a:ext cx="783291" cy="321178"/>
+                <a:ext cx="826573" cy="321178"/>
               </a:xfrm>
               <a:prstGeom prst="rect">
                 <a:avLst/>
@@ -5028,14 +5006,11 @@
                         </m:sSubPr>
                         <m:e>
                           <m:r>
-                            <m:rPr>
-                              <m:sty m:val="p"/>
-                            </m:rPr>
-                            <a:rPr lang="en-US" sz="2000" i="0" smtClean="0">
+                            <a:rPr lang="en-US" sz="2000" i="1" smtClean="0">
                               <a:latin typeface="Cambria Math" panose="02040503050406030204" pitchFamily="18" charset="0"/>
                               <a:ea typeface="Cambria Math" panose="02040503050406030204" pitchFamily="18" charset="0"/>
                             </a:rPr>
-                            <m:t>ϕ</m:t>
+                            <m:t>𝜙</m:t>
                           </m:r>
                         </m:e>
                         <m:sub>
@@ -5047,7 +5022,7 @@
                               <a:latin typeface="Cambria Math" panose="02040503050406030204" pitchFamily="18" charset="0"/>
                               <a:ea typeface="Cambria Math" panose="02040503050406030204" pitchFamily="18" charset="0"/>
                             </a:rPr>
-                            <m:t>cv</m:t>
+                            <m:t>CV</m:t>
                           </m:r>
                           <m:r>
                             <a:rPr lang="en-US" sz="2000" b="0" i="0" smtClean="0">
@@ -5079,7 +5054,7 @@
             </p:txBody>
           </p:sp>
         </mc:Choice>
-        <mc:Fallback xmlns="">
+        <mc:Fallback>
           <p:sp>
             <p:nvSpPr>
               <p:cNvPr id="99" name="TextBox 98"/>
@@ -5091,7 +5066,7 @@
             <p:spPr>
               <a:xfrm>
                 <a:off x="4451322" y="2055194"/>
-                <a:ext cx="783291" cy="321178"/>
+                <a:ext cx="826573" cy="321178"/>
               </a:xfrm>
               <a:prstGeom prst="rect">
                 <a:avLst/>
@@ -5099,7 +5074,7 @@
               <a:blipFill rotWithShape="0">
                 <a:blip r:embed="rId10"/>
                 <a:stretch>
-                  <a:fillRect l="-10853" r="-1550" b="-28302"/>
+                  <a:fillRect l="-9559" r="-735" b="-28302"/>
                 </a:stretch>
               </a:blipFill>
             </p:spPr>
@@ -5118,8 +5093,8 @@
           </p:sp>
         </mc:Fallback>
       </mc:AlternateContent>
-      <mc:AlternateContent xmlns:mc="http://schemas.openxmlformats.org/markup-compatibility/2006" xmlns:a14="http://schemas.microsoft.com/office/drawing/2010/main">
-        <mc:Choice Requires="a14">
+      <mc:AlternateContent xmlns:mc="http://schemas.openxmlformats.org/markup-compatibility/2006">
+        <mc:Choice xmlns:a14="http://schemas.microsoft.com/office/drawing/2010/main" Requires="a14">
           <p:sp>
             <p:nvSpPr>
               <p:cNvPr id="100" name="TextBox 99"/>
@@ -5129,7 +5104,7 @@
             <p:spPr>
               <a:xfrm>
                 <a:off x="1871018" y="1532578"/>
-                <a:ext cx="2360903" cy="321178"/>
+                <a:ext cx="2471510" cy="321178"/>
               </a:xfrm>
               <a:prstGeom prst="rect">
                 <a:avLst/>
@@ -5155,14 +5130,11 @@
                       </m:sSubPr>
                       <m:e>
                         <m:r>
-                          <m:rPr>
-                            <m:sty m:val="p"/>
-                          </m:rPr>
-                          <a:rPr lang="en-US" sz="2000" i="0" smtClean="0">
+                          <a:rPr lang="en-US" sz="2000" i="1" smtClean="0">
                             <a:latin typeface="Cambria Math" panose="02040503050406030204" pitchFamily="18" charset="0"/>
                             <a:ea typeface="Cambria Math" panose="02040503050406030204" pitchFamily="18" charset="0"/>
                           </a:rPr>
-                          <m:t>ϕ</m:t>
+                          <m:t>𝜙</m:t>
                         </m:r>
                       </m:e>
                       <m:sub>
@@ -5174,7 +5146,7 @@
                             <a:latin typeface="Cambria Math" panose="02040503050406030204" pitchFamily="18" charset="0"/>
                             <a:ea typeface="Cambria Math" panose="02040503050406030204" pitchFamily="18" charset="0"/>
                           </a:rPr>
-                          <m:t>cv</m:t>
+                          <m:t>CV</m:t>
                         </m:r>
                       </m:sub>
                     </m:sSub>
@@ -5196,14 +5168,11 @@
                       </m:sSubPr>
                       <m:e>
                         <m:r>
-                          <m:rPr>
-                            <m:sty m:val="p"/>
-                          </m:rPr>
-                          <a:rPr lang="en-US" sz="2000" i="0" smtClean="0">
+                          <a:rPr lang="en-US" sz="2000" i="1" smtClean="0">
                             <a:latin typeface="Cambria Math" panose="02040503050406030204" pitchFamily="18" charset="0"/>
                             <a:ea typeface="Cambria Math" panose="02040503050406030204" pitchFamily="18" charset="0"/>
                           </a:rPr>
-                          <m:t>ϕ</m:t>
+                          <m:t>𝜙</m:t>
                         </m:r>
                       </m:e>
                       <m:sub>
@@ -5215,7 +5184,7 @@
                             <a:latin typeface="Cambria Math" panose="02040503050406030204" pitchFamily="18" charset="0"/>
                             <a:ea typeface="Cambria Math" panose="02040503050406030204" pitchFamily="18" charset="0"/>
                           </a:rPr>
-                          <m:t>cv</m:t>
+                          <m:t>CV</m:t>
                         </m:r>
                         <m:r>
                           <a:rPr lang="en-US" sz="2000" b="0" i="0" smtClean="0">
@@ -5276,14 +5245,11 @@
                       </m:sSubPr>
                       <m:e>
                         <m:r>
-                          <m:rPr>
-                            <m:sty m:val="p"/>
-                          </m:rPr>
-                          <a:rPr lang="en-US" sz="2000" i="0" smtClean="0">
+                          <a:rPr lang="en-US" sz="2000" i="1" smtClean="0">
                             <a:latin typeface="Cambria Math" panose="02040503050406030204" pitchFamily="18" charset="0"/>
                             <a:ea typeface="Cambria Math" panose="02040503050406030204" pitchFamily="18" charset="0"/>
                           </a:rPr>
-                          <m:t>ϕ</m:t>
+                          <m:t>𝜙</m:t>
                         </m:r>
                       </m:e>
                       <m:sub>
@@ -5295,7 +5261,7 @@
                             <a:latin typeface="Cambria Math" panose="02040503050406030204" pitchFamily="18" charset="0"/>
                             <a:ea typeface="Cambria Math" panose="02040503050406030204" pitchFamily="18" charset="0"/>
                           </a:rPr>
-                          <m:t>cv</m:t>
+                          <m:t>CV</m:t>
                         </m:r>
                         <m:r>
                           <a:rPr lang="en-US" sz="2000" b="0" i="0" smtClean="0">
@@ -5326,7 +5292,7 @@
             </p:txBody>
           </p:sp>
         </mc:Choice>
-        <mc:Fallback xmlns="">
+        <mc:Fallback>
           <p:sp>
             <p:nvSpPr>
               <p:cNvPr id="100" name="TextBox 99"/>
@@ -5338,7 +5304,7 @@
             <p:spPr>
               <a:xfrm>
                 <a:off x="1871018" y="1532578"/>
-                <a:ext cx="2360903" cy="321178"/>
+                <a:ext cx="2471510" cy="321178"/>
               </a:xfrm>
               <a:prstGeom prst="rect">
                 <a:avLst/>
@@ -5346,7 +5312,7 @@
               <a:blipFill rotWithShape="0">
                 <a:blip r:embed="rId11"/>
                 <a:stretch>
-                  <a:fillRect l="-4910" r="-1034" b="-28302"/>
+                  <a:fillRect l="-4691" r="-988" b="-28302"/>
                 </a:stretch>
               </a:blipFill>
             </p:spPr>
@@ -5365,8 +5331,8 @@
           </p:sp>
         </mc:Fallback>
       </mc:AlternateContent>
-      <mc:AlternateContent xmlns:mc="http://schemas.openxmlformats.org/markup-compatibility/2006" xmlns:a14="http://schemas.microsoft.com/office/drawing/2010/main">
-        <mc:Choice Requires="a14">
+      <mc:AlternateContent xmlns:mc="http://schemas.openxmlformats.org/markup-compatibility/2006">
+        <mc:Choice xmlns:a14="http://schemas.microsoft.com/office/drawing/2010/main" Requires="a14">
           <p:sp>
             <p:nvSpPr>
               <p:cNvPr id="101" name="TextBox 100"/>
@@ -5376,7 +5342,7 @@
             <p:spPr>
               <a:xfrm>
                 <a:off x="9086296" y="943816"/>
-                <a:ext cx="339259" cy="307777"/>
+                <a:ext cx="326691" cy="307777"/>
               </a:xfrm>
               <a:prstGeom prst="rect">
                 <a:avLst/>
@@ -5407,26 +5373,20 @@
                         </m:sSubPr>
                         <m:e>
                           <m:r>
-                            <m:rPr>
-                              <m:sty m:val="p"/>
-                            </m:rPr>
-                            <a:rPr lang="en-US" sz="2000" i="0" smtClean="0">
+                            <a:rPr lang="en-US" sz="2000" i="1" smtClean="0">
                               <a:latin typeface="Cambria Math" panose="02040503050406030204" pitchFamily="18" charset="0"/>
                               <a:ea typeface="Cambria Math" panose="02040503050406030204" pitchFamily="18" charset="0"/>
                             </a:rPr>
-                            <m:t>ϕ</m:t>
+                            <m:t>𝜙</m:t>
                           </m:r>
                         </m:e>
                         <m:sub>
                           <m:r>
-                            <m:rPr>
-                              <m:sty m:val="p"/>
-                            </m:rPr>
-                            <a:rPr lang="en-US" sz="2000" b="0" i="0" smtClean="0">
+                            <a:rPr lang="en-US" sz="2000" b="0" i="1" smtClean="0">
                               <a:latin typeface="Cambria Math" panose="02040503050406030204" pitchFamily="18" charset="0"/>
                               <a:ea typeface="Cambria Math" panose="02040503050406030204" pitchFamily="18" charset="0"/>
                             </a:rPr>
-                            <m:t>s</m:t>
+                            <m:t>𝑠</m:t>
                           </m:r>
                         </m:sub>
                       </m:sSub>
@@ -5441,7 +5401,7 @@
             </p:txBody>
           </p:sp>
         </mc:Choice>
-        <mc:Fallback xmlns="">
+        <mc:Fallback>
           <p:sp>
             <p:nvSpPr>
               <p:cNvPr id="101" name="TextBox 100"/>
@@ -5453,7 +5413,7 @@
             <p:spPr>
               <a:xfrm>
                 <a:off x="9086296" y="943816"/>
-                <a:ext cx="339259" cy="307777"/>
+                <a:ext cx="326691" cy="307777"/>
               </a:xfrm>
               <a:prstGeom prst="rect">
                 <a:avLst/>
@@ -5461,7 +5421,7 @@
               <a:blipFill rotWithShape="0">
                 <a:blip r:embed="rId12"/>
                 <a:stretch>
-                  <a:fillRect l="-25455" r="-5455" b="-38000"/>
+                  <a:fillRect l="-26415" r="-3774" b="-38000"/>
                 </a:stretch>
               </a:blipFill>
             </p:spPr>
@@ -5480,8 +5440,8 @@
           </p:sp>
         </mc:Fallback>
       </mc:AlternateContent>
-      <mc:AlternateContent xmlns:mc="http://schemas.openxmlformats.org/markup-compatibility/2006" xmlns:a14="http://schemas.microsoft.com/office/drawing/2010/main">
-        <mc:Choice Requires="a14">
+      <mc:AlternateContent xmlns:mc="http://schemas.openxmlformats.org/markup-compatibility/2006">
+        <mc:Choice xmlns:a14="http://schemas.microsoft.com/office/drawing/2010/main" Requires="a14">
           <p:sp>
             <p:nvSpPr>
               <p:cNvPr id="102" name="TextBox 101"/>
@@ -5522,26 +5482,20 @@
                         </m:sSubPr>
                         <m:e>
                           <m:r>
-                            <m:rPr>
-                              <m:sty m:val="p"/>
-                            </m:rPr>
-                            <a:rPr lang="en-US" sz="2000" i="0" smtClean="0">
+                            <a:rPr lang="en-US" sz="2000" i="1" smtClean="0">
                               <a:latin typeface="Cambria Math" panose="02040503050406030204" pitchFamily="18" charset="0"/>
                               <a:ea typeface="Cambria Math" panose="02040503050406030204" pitchFamily="18" charset="0"/>
                             </a:rPr>
-                            <m:t>ϕ</m:t>
+                            <m:t>𝜙</m:t>
                           </m:r>
                         </m:e>
                         <m:sub>
                           <m:r>
-                            <m:rPr>
-                              <m:sty m:val="p"/>
-                            </m:rPr>
-                            <a:rPr lang="en-US" sz="2000" b="0" i="0" smtClean="0">
+                            <a:rPr lang="en-US" sz="2000" b="0" i="1" smtClean="0">
                               <a:latin typeface="Cambria Math" panose="02040503050406030204" pitchFamily="18" charset="0"/>
                               <a:ea typeface="Cambria Math" panose="02040503050406030204" pitchFamily="18" charset="0"/>
                             </a:rPr>
-                            <m:t>s</m:t>
+                            <m:t>𝑠</m:t>
                           </m:r>
                           <m:r>
                             <a:rPr lang="en-US" sz="2000" b="0" i="0" smtClean="0">
@@ -5573,7 +5527,7 @@
             </p:txBody>
           </p:sp>
         </mc:Choice>
-        <mc:Fallback xmlns="">
+        <mc:Fallback>
           <p:sp>
             <p:nvSpPr>
               <p:cNvPr id="102" name="TextBox 101"/>
@@ -5612,8 +5566,8 @@
           </p:sp>
         </mc:Fallback>
       </mc:AlternateContent>
-      <mc:AlternateContent xmlns:mc="http://schemas.openxmlformats.org/markup-compatibility/2006" xmlns:a14="http://schemas.microsoft.com/office/drawing/2010/main">
-        <mc:Choice Requires="a14">
+      <mc:AlternateContent xmlns:mc="http://schemas.openxmlformats.org/markup-compatibility/2006">
+        <mc:Choice xmlns:a14="http://schemas.microsoft.com/office/drawing/2010/main" Requires="a14">
           <p:sp>
             <p:nvSpPr>
               <p:cNvPr id="103" name="TextBox 102"/>
@@ -5654,26 +5608,20 @@
                         </m:sSubPr>
                         <m:e>
                           <m:r>
-                            <m:rPr>
-                              <m:sty m:val="p"/>
-                            </m:rPr>
-                            <a:rPr lang="en-US" sz="2000" i="0" smtClean="0">
+                            <a:rPr lang="en-US" sz="2000" i="1" smtClean="0">
                               <a:latin typeface="Cambria Math" panose="02040503050406030204" pitchFamily="18" charset="0"/>
                               <a:ea typeface="Cambria Math" panose="02040503050406030204" pitchFamily="18" charset="0"/>
                             </a:rPr>
-                            <m:t>ϕ</m:t>
+                            <m:t>𝜙</m:t>
                           </m:r>
                         </m:e>
                         <m:sub>
                           <m:r>
-                            <m:rPr>
-                              <m:sty m:val="p"/>
-                            </m:rPr>
-                            <a:rPr lang="en-US" sz="2000" b="0" i="0" smtClean="0">
+                            <a:rPr lang="en-US" sz="2000" b="0" i="1" smtClean="0">
                               <a:latin typeface="Cambria Math" panose="02040503050406030204" pitchFamily="18" charset="0"/>
                               <a:ea typeface="Cambria Math" panose="02040503050406030204" pitchFamily="18" charset="0"/>
                             </a:rPr>
-                            <m:t>s</m:t>
+                            <m:t>𝑠</m:t>
                           </m:r>
                           <m:r>
                             <a:rPr lang="en-US" sz="2000" b="0" i="0" smtClean="0">
@@ -5705,7 +5653,7 @@
             </p:txBody>
           </p:sp>
         </mc:Choice>
-        <mc:Fallback xmlns="">
+        <mc:Fallback>
           <p:sp>
             <p:nvSpPr>
               <p:cNvPr id="103" name="TextBox 102"/>
@@ -5725,7 +5673,7 @@
               <a:blipFill rotWithShape="0">
                 <a:blip r:embed="rId14"/>
                 <a:stretch>
-                  <a:fillRect l="-12727" r="-1818" b="-30769"/>
+                  <a:fillRect l="-11818" r="-909" b="-30769"/>
                 </a:stretch>
               </a:blipFill>
             </p:spPr>
@@ -5744,8 +5692,8 @@
           </p:sp>
         </mc:Fallback>
       </mc:AlternateContent>
-      <mc:AlternateContent xmlns:mc="http://schemas.openxmlformats.org/markup-compatibility/2006" xmlns:a14="http://schemas.microsoft.com/office/drawing/2010/main">
-        <mc:Choice Requires="a14">
+      <mc:AlternateContent xmlns:mc="http://schemas.openxmlformats.org/markup-compatibility/2006">
+        <mc:Choice xmlns:a14="http://schemas.microsoft.com/office/drawing/2010/main" Requires="a14">
           <p:sp>
             <p:nvSpPr>
               <p:cNvPr id="104" name="TextBox 103"/>
@@ -5781,26 +5729,20 @@
                       </m:sSubPr>
                       <m:e>
                         <m:r>
-                          <m:rPr>
-                            <m:sty m:val="p"/>
-                          </m:rPr>
-                          <a:rPr lang="en-US" sz="2000" i="0" smtClean="0">
+                          <a:rPr lang="en-US" sz="2000" i="1" smtClean="0">
                             <a:latin typeface="Cambria Math" panose="02040503050406030204" pitchFamily="18" charset="0"/>
                             <a:ea typeface="Cambria Math" panose="02040503050406030204" pitchFamily="18" charset="0"/>
                           </a:rPr>
-                          <m:t>ϕ</m:t>
+                          <m:t>𝜙</m:t>
                         </m:r>
                       </m:e>
                       <m:sub>
                         <m:r>
-                          <m:rPr>
-                            <m:sty m:val="p"/>
-                          </m:rPr>
-                          <a:rPr lang="en-US" sz="2000" b="0" i="0" smtClean="0">
+                          <a:rPr lang="en-US" sz="2000" b="0" i="1" smtClean="0">
                             <a:latin typeface="Cambria Math" panose="02040503050406030204" pitchFamily="18" charset="0"/>
                             <a:ea typeface="Cambria Math" panose="02040503050406030204" pitchFamily="18" charset="0"/>
                           </a:rPr>
-                          <m:t>s</m:t>
+                          <m:t>𝑠</m:t>
                         </m:r>
                       </m:sub>
                     </m:sSub>
@@ -5822,26 +5764,20 @@
                       </m:sSubPr>
                       <m:e>
                         <m:r>
-                          <m:rPr>
-                            <m:sty m:val="p"/>
-                          </m:rPr>
-                          <a:rPr lang="en-US" sz="2000" i="0" smtClean="0">
+                          <a:rPr lang="en-US" sz="2000" i="1" smtClean="0">
                             <a:latin typeface="Cambria Math" panose="02040503050406030204" pitchFamily="18" charset="0"/>
                             <a:ea typeface="Cambria Math" panose="02040503050406030204" pitchFamily="18" charset="0"/>
                           </a:rPr>
-                          <m:t>ϕ</m:t>
+                          <m:t>𝜙</m:t>
                         </m:r>
                       </m:e>
                       <m:sub>
                         <m:r>
-                          <m:rPr>
-                            <m:sty m:val="p"/>
-                          </m:rPr>
-                          <a:rPr lang="en-US" sz="2000" b="0" i="0" smtClean="0">
+                          <a:rPr lang="en-US" sz="2000" b="0" i="1" smtClean="0">
                             <a:latin typeface="Cambria Math" panose="02040503050406030204" pitchFamily="18" charset="0"/>
                             <a:ea typeface="Cambria Math" panose="02040503050406030204" pitchFamily="18" charset="0"/>
                           </a:rPr>
-                          <m:t>s</m:t>
+                          <m:t>𝑠</m:t>
                         </m:r>
                         <m:r>
                           <a:rPr lang="en-US" sz="2000" b="0" i="0" smtClean="0">
@@ -5902,26 +5838,20 @@
                       </m:sSubPr>
                       <m:e>
                         <m:r>
-                          <m:rPr>
-                            <m:sty m:val="p"/>
-                          </m:rPr>
-                          <a:rPr lang="en-US" sz="2000" i="0" smtClean="0">
+                          <a:rPr lang="en-US" sz="2000" i="1" smtClean="0">
                             <a:latin typeface="Cambria Math" panose="02040503050406030204" pitchFamily="18" charset="0"/>
                             <a:ea typeface="Cambria Math" panose="02040503050406030204" pitchFamily="18" charset="0"/>
                           </a:rPr>
-                          <m:t>ϕ</m:t>
+                          <m:t>𝜙</m:t>
                         </m:r>
                       </m:e>
                       <m:sub>
                         <m:r>
-                          <m:rPr>
-                            <m:sty m:val="p"/>
-                          </m:rPr>
-                          <a:rPr lang="en-US" sz="2000" b="0" i="0" smtClean="0">
+                          <a:rPr lang="en-US" sz="2000" b="0" i="1" smtClean="0">
                             <a:latin typeface="Cambria Math" panose="02040503050406030204" pitchFamily="18" charset="0"/>
                             <a:ea typeface="Cambria Math" panose="02040503050406030204" pitchFamily="18" charset="0"/>
                           </a:rPr>
-                          <m:t>s</m:t>
+                          <m:t>𝑠</m:t>
                         </m:r>
                         <m:r>
                           <a:rPr lang="en-US" sz="2000" b="0" i="0" smtClean="0">
@@ -5952,7 +5882,7 @@
             </p:txBody>
           </p:sp>
         </mc:Choice>
-        <mc:Fallback xmlns="">
+        <mc:Fallback>
           <p:sp>
             <p:nvSpPr>
               <p:cNvPr id="104" name="TextBox 103"/>
@@ -5972,7 +5902,7 @@
               <a:blipFill rotWithShape="0">
                 <a:blip r:embed="rId15"/>
                 <a:stretch>
-                  <a:fillRect l="-5706" r="-1502" b="-28302"/>
+                  <a:fillRect l="-5706" b="-28302"/>
                 </a:stretch>
               </a:blipFill>
             </p:spPr>
@@ -6037,7 +5967,7 @@
             </p:nvSpPr>
             <p:spPr>
               <a:xfrm>
-                <a:off x="1209558" y="3835983"/>
+                <a:off x="1151650" y="3835222"/>
                 <a:ext cx="5608010" cy="246221"/>
               </a:xfrm>
               <a:prstGeom prst="rect">
@@ -6251,7 +6181,7 @@
             </p:nvSpPr>
             <p:spPr>
               <a:xfrm>
-                <a:off x="1209558" y="3835983"/>
+                <a:off x="1151650" y="3835222"/>
                 <a:ext cx="5608010" cy="246221"/>
               </a:xfrm>
               <a:prstGeom prst="rect">
@@ -6260,7 +6190,7 @@
               <a:blipFill rotWithShape="0">
                 <a:blip r:embed="rId16"/>
                 <a:stretch>
-                  <a:fillRect b="-31707"/>
+                  <a:fillRect l="-109" b="-31707"/>
                 </a:stretch>
               </a:blipFill>
             </p:spPr>
@@ -6279,8 +6209,8 @@
           </p:sp>
         </mc:Fallback>
       </mc:AlternateContent>
-      <mc:AlternateContent xmlns:mc="http://schemas.openxmlformats.org/markup-compatibility/2006">
-        <mc:Choice xmlns:a14="http://schemas.microsoft.com/office/drawing/2010/main" Requires="a14">
+      <mc:AlternateContent xmlns:mc="http://schemas.openxmlformats.org/markup-compatibility/2006" xmlns:a14="http://schemas.microsoft.com/office/drawing/2010/main">
+        <mc:Choice Requires="a14">
           <p:sp>
             <p:nvSpPr>
               <p:cNvPr id="107" name="TextBox 106"/>
@@ -6881,7 +6811,7 @@
             </p:txBody>
           </p:sp>
         </mc:Choice>
-        <mc:Fallback>
+        <mc:Fallback xmlns="">
           <p:sp>
             <p:nvSpPr>
               <p:cNvPr id="107" name="TextBox 106"/>
@@ -6920,8 +6850,8 @@
           </p:sp>
         </mc:Fallback>
       </mc:AlternateContent>
-      <mc:AlternateContent xmlns:mc="http://schemas.openxmlformats.org/markup-compatibility/2006">
-        <mc:Choice xmlns:a14="http://schemas.microsoft.com/office/drawing/2010/main" Requires="a14">
+      <mc:AlternateContent xmlns:mc="http://schemas.openxmlformats.org/markup-compatibility/2006" xmlns:a14="http://schemas.microsoft.com/office/drawing/2010/main">
+        <mc:Choice Requires="a14">
           <p:sp>
             <p:nvSpPr>
               <p:cNvPr id="108" name="TextBox 107"/>
@@ -7265,7 +7195,7 @@
             </p:txBody>
           </p:sp>
         </mc:Choice>
-        <mc:Fallback>
+        <mc:Fallback xmlns="">
           <p:sp>
             <p:nvSpPr>
               <p:cNvPr id="108" name="TextBox 107"/>
@@ -7314,7 +7244,7 @@
             </p:nvSpPr>
             <p:spPr>
               <a:xfrm>
-                <a:off x="1221568" y="4967357"/>
+                <a:off x="1217012" y="4950782"/>
                 <a:ext cx="4879990" cy="247888"/>
               </a:xfrm>
               <a:prstGeom prst="rect">
@@ -7553,7 +7483,7 @@
             </p:nvSpPr>
             <p:spPr>
               <a:xfrm>
-                <a:off x="1221568" y="4967357"/>
+                <a:off x="1217012" y="4950782"/>
                 <a:ext cx="4879990" cy="247888"/>
               </a:xfrm>
               <a:prstGeom prst="rect">
@@ -7562,7 +7492,7 @@
               <a:blipFill rotWithShape="0">
                 <a:blip r:embed="rId19"/>
                 <a:stretch>
-                  <a:fillRect l="-1373" t="-26829" r="-1498" b="-46341"/>
+                  <a:fillRect l="-1500" t="-24390" r="-1500" b="-48780"/>
                 </a:stretch>
               </a:blipFill>
             </p:spPr>
@@ -7581,8 +7511,8 @@
           </p:sp>
         </mc:Fallback>
       </mc:AlternateContent>
-      <mc:AlternateContent xmlns:mc="http://schemas.openxmlformats.org/markup-compatibility/2006">
-        <mc:Choice xmlns:a14="http://schemas.microsoft.com/office/drawing/2010/main" Requires="a14">
+      <mc:AlternateContent xmlns:mc="http://schemas.openxmlformats.org/markup-compatibility/2006" xmlns:a14="http://schemas.microsoft.com/office/drawing/2010/main">
+        <mc:Choice Requires="a14">
           <p:sp>
             <p:nvSpPr>
               <p:cNvPr id="116" name="TextBox 115"/>
@@ -7998,7 +7928,7 @@
             </p:txBody>
           </p:sp>
         </mc:Choice>
-        <mc:Fallback>
+        <mc:Fallback xmlns="">
           <p:sp>
             <p:nvSpPr>
               <p:cNvPr id="116" name="TextBox 115"/>
@@ -8079,14 +8009,11 @@
                         </m:sSubPr>
                         <m:e>
                           <m:r>
-                            <m:rPr>
-                              <m:sty m:val="p"/>
-                            </m:rPr>
-                            <a:rPr lang="en-US" sz="1600" b="0" i="0" smtClean="0">
+                            <a:rPr lang="en-US" sz="1600" b="0" i="1" smtClean="0">
                               <a:latin typeface="Cambria Math" panose="02040503050406030204" pitchFamily="18" charset="0"/>
                               <a:ea typeface="Cambria Math" panose="02040503050406030204" pitchFamily="18" charset="0"/>
                             </a:rPr>
-                            <m:t>S</m:t>
+                            <m:t>𝑆</m:t>
                           </m:r>
                         </m:e>
                         <m:sub>
@@ -8285,7 +8212,7 @@
               <a:blipFill rotWithShape="0">
                 <a:blip r:embed="rId21"/>
                 <a:stretch>
-                  <a:fillRect l="-782" b="-35000"/>
+                  <a:fillRect l="-684" b="-35000"/>
                 </a:stretch>
               </a:blipFill>
             </p:spPr>
@@ -8346,14 +8273,11 @@
                         </m:sSubPr>
                         <m:e>
                           <m:r>
-                            <m:rPr>
-                              <m:sty m:val="p"/>
-                            </m:rPr>
-                            <a:rPr lang="en-US" sz="1600" b="0" i="0" smtClean="0">
+                            <a:rPr lang="en-US" sz="1600" b="0" i="1" smtClean="0">
                               <a:latin typeface="Cambria Math" panose="02040503050406030204" pitchFamily="18" charset="0"/>
                               <a:ea typeface="Cambria Math" panose="02040503050406030204" pitchFamily="18" charset="0"/>
                             </a:rPr>
-                            <m:t>S</m:t>
+                            <m:t>𝑆</m:t>
                           </m:r>
                         </m:e>
                         <m:sub>
@@ -8404,14 +8328,11 @@
                         </m:sSubPr>
                         <m:e>
                           <m:r>
-                            <m:rPr>
-                              <m:sty m:val="p"/>
-                            </m:rPr>
-                            <a:rPr lang="en-US" sz="1600" b="0" i="0" smtClean="0">
+                            <a:rPr lang="en-US" sz="1600" b="0" i="1" smtClean="0">
                               <a:latin typeface="Cambria Math" panose="02040503050406030204" pitchFamily="18" charset="0"/>
                               <a:ea typeface="Cambria Math" panose="02040503050406030204" pitchFamily="18" charset="0"/>
                             </a:rPr>
-                            <m:t>S</m:t>
+                            <m:t>𝑆</m:t>
                           </m:r>
                         </m:e>
                         <m:sub>
@@ -8606,14 +8527,11 @@
                       </m:sSubPr>
                       <m:e>
                         <m:r>
-                          <m:rPr>
-                            <m:sty m:val="p"/>
-                          </m:rPr>
-                          <a:rPr lang="en-US" sz="1600">
+                          <a:rPr lang="en-US" sz="1600" i="1">
                             <a:latin typeface="Cambria Math" panose="02040503050406030204" pitchFamily="18" charset="0"/>
                             <a:ea typeface="Cambria Math" panose="02040503050406030204" pitchFamily="18" charset="0"/>
                           </a:rPr>
-                          <m:t>S</m:t>
+                          <m:t>𝑆</m:t>
                         </m:r>
                       </m:e>
                       <m:sub>
@@ -8707,14 +8625,7 @@
                                         <a:latin typeface="Cambria Math" panose="02040503050406030204" pitchFamily="18" charset="0"/>
                                         <a:ea typeface="Cambria Math" panose="02040503050406030204" pitchFamily="18" charset="0"/>
                                       </a:rPr>
-                                      <m:t>𝑖𝑖</m:t>
-                                    </m:r>
-                                    <m:r>
-                                      <a:rPr lang="en-US" sz="1600" b="0" i="1" smtClean="0">
-                                        <a:latin typeface="Cambria Math" panose="02040503050406030204" pitchFamily="18" charset="0"/>
-                                        <a:ea typeface="Cambria Math" panose="02040503050406030204" pitchFamily="18" charset="0"/>
-                                      </a:rPr>
-                                      <m:t>𝑖</m:t>
+                                      <m:t>𝑖𝑖𝑖</m:t>
                                     </m:r>
                                   </m:sub>
                                 </m:sSub>
@@ -8809,14 +8720,7 @@
                                 <a:latin typeface="Cambria Math" panose="02040503050406030204" pitchFamily="18" charset="0"/>
                                 <a:ea typeface="Cambria Math" panose="02040503050406030204" pitchFamily="18" charset="0"/>
                               </a:rPr>
-                              <m:t>3/</m:t>
-                            </m:r>
-                            <m:r>
-                              <a:rPr lang="en-US" sz="1600" b="0" i="1" smtClean="0">
-                                <a:latin typeface="Cambria Math" panose="02040503050406030204" pitchFamily="18" charset="0"/>
-                                <a:ea typeface="Cambria Math" panose="02040503050406030204" pitchFamily="18" charset="0"/>
-                              </a:rPr>
-                              <m:t>2</m:t>
+                              <m:t>3/2</m:t>
                             </m:r>
                           </m:sup>
                         </m:sSup>
